--- a/Presentación.pptx
+++ b/Presentación.pptx
@@ -7,10 +7,13 @@
   <p:sldIdLst>
     <p:sldId id="256" r:id="rId2"/>
     <p:sldId id="257" r:id="rId3"/>
-    <p:sldId id="258" r:id="rId4"/>
-    <p:sldId id="259" r:id="rId5"/>
-    <p:sldId id="260" r:id="rId6"/>
-    <p:sldId id="261" r:id="rId7"/>
+    <p:sldId id="262" r:id="rId4"/>
+    <p:sldId id="263" r:id="rId5"/>
+    <p:sldId id="258" r:id="rId6"/>
+    <p:sldId id="259" r:id="rId7"/>
+    <p:sldId id="260" r:id="rId8"/>
+    <p:sldId id="264" r:id="rId9"/>
+    <p:sldId id="261" r:id="rId10"/>
   </p:sldIdLst>
   <p:sldSz cx="9144000" cy="6858000" type="screen4x3"/>
   <p:notesSz cx="6858000" cy="9144000"/>
@@ -466,6 +469,9 @@
   <p:clrMapOvr>
     <a:masterClrMapping/>
   </p:clrMapOvr>
+  <p:transition spd="slow">
+    <p:push dir="u"/>
+  </p:transition>
 </p:sldLayout>
 </file>
 
@@ -631,6 +637,9 @@
   <p:clrMapOvr>
     <a:masterClrMapping/>
   </p:clrMapOvr>
+  <p:transition spd="slow">
+    <p:push dir="u"/>
+  </p:transition>
 </p:sldLayout>
 </file>
 
@@ -906,6 +915,9 @@
   <p:clrMapOvr>
     <a:masterClrMapping/>
   </p:clrMapOvr>
+  <p:transition spd="slow">
+    <p:push dir="u"/>
+  </p:transition>
 </p:sldLayout>
 </file>
 
@@ -1071,6 +1083,9 @@
   <p:clrMapOvr>
     <a:masterClrMapping/>
   </p:clrMapOvr>
+  <p:transition spd="slow">
+    <p:push dir="u"/>
+  </p:transition>
 </p:sldLayout>
 </file>
 
@@ -1426,6 +1441,9 @@
   <p:clrMapOvr>
     <a:masterClrMapping/>
   </p:clrMapOvr>
+  <p:transition spd="slow">
+    <p:push dir="u"/>
+  </p:transition>
 </p:sldLayout>
 </file>
 
@@ -1709,6 +1727,9 @@
   <p:clrMapOvr>
     <a:masterClrMapping/>
   </p:clrMapOvr>
+  <p:transition spd="slow">
+    <p:push dir="u"/>
+  </p:transition>
 </p:sldLayout>
 </file>
 
@@ -2130,6 +2151,9 @@
   <p:clrMapOvr>
     <a:masterClrMapping/>
   </p:clrMapOvr>
+  <p:transition spd="slow">
+    <p:push dir="u"/>
+  </p:transition>
 </p:sldLayout>
 </file>
 
@@ -2243,6 +2267,9 @@
   <p:clrMapOvr>
     <a:masterClrMapping/>
   </p:clrMapOvr>
+  <p:transition spd="slow">
+    <p:push dir="u"/>
+  </p:transition>
 </p:sldLayout>
 </file>
 
@@ -2379,6 +2406,9 @@
   <p:clrMapOvr>
     <a:masterClrMapping/>
   </p:clrMapOvr>
+  <p:transition spd="slow">
+    <p:push dir="u"/>
+  </p:transition>
 </p:sldLayout>
 </file>
 
@@ -2807,6 +2837,9 @@
   <p:clrMapOvr>
     <a:overrideClrMapping bg1="lt1" tx1="dk1" bg2="lt2" tx2="dk2" accent1="accent1" accent2="accent2" accent3="accent3" accent4="accent4" accent5="accent5" accent6="accent6" hlink="hlink" folHlink="folHlink"/>
   </p:clrMapOvr>
+  <p:transition spd="slow">
+    <p:push dir="u"/>
+  </p:transition>
 </p:sldLayout>
 </file>
 
@@ -3161,6 +3194,9 @@
   <p:clrMapOvr>
     <a:overrideClrMapping bg1="dk1" tx1="lt1" bg2="dk2" tx2="lt2" accent1="accent1" accent2="accent2" accent3="accent3" accent4="accent4" accent5="accent5" accent6="accent6" hlink="hlink" folHlink="folHlink"/>
   </p:clrMapOvr>
+  <p:transition spd="slow">
+    <p:push dir="u"/>
+  </p:transition>
 </p:sldLayout>
 </file>
 
@@ -3505,6 +3541,9 @@
     <p:sldLayoutId id="2147483670" r:id="rId10"/>
     <p:sldLayoutId id="2147483671" r:id="rId11"/>
   </p:sldLayoutIdLst>
+  <p:transition spd="slow">
+    <p:push dir="u"/>
+  </p:transition>
   <p:txStyles>
     <p:titleStyle>
       <a:lvl1pPr algn="ctr" defTabSz="914400" rtl="0" eaLnBrk="1" latinLnBrk="0" hangingPunct="1">
@@ -3847,6 +3886,16 @@
   <p:clrMapOvr>
     <a:masterClrMapping/>
   </p:clrMapOvr>
+  <p:transition spd="slow">
+    <p:push dir="u"/>
+  </p:transition>
+  <p:timing>
+    <p:tnLst>
+      <p:par>
+        <p:cTn id="1" dur="indefinite" restart="never" nodeType="tmRoot"/>
+      </p:par>
+    </p:tnLst>
+  </p:timing>
 </p:sld>
 </file>
 
@@ -3886,14 +3935,34 @@
           <a:p>
             <a:r>
               <a:rPr lang="es-ES" sz="3200" dirty="0" smtClean="0"/>
-              <a:t>Primeros días en la empresa.</a:t>
-            </a:r>
+              <a:t>La empresa.</a:t>
+            </a:r>
+          </a:p>
+          <a:p>
+            <a:pPr lvl="1"/>
+            <a:r>
+              <a:rPr lang="es-ES" sz="3000" dirty="0" smtClean="0"/>
+              <a:t>Experiencia personal.</a:t>
+            </a:r>
+            <a:endParaRPr lang="es-ES" sz="3000" dirty="0" smtClean="0"/>
           </a:p>
           <a:p>
             <a:r>
               <a:rPr lang="es-ES" sz="3200" dirty="0" smtClean="0"/>
-              <a:t>Proyectos.</a:t>
-            </a:r>
+              <a:t>Proyectos</a:t>
+            </a:r>
+            <a:r>
+              <a:rPr lang="es-ES" sz="3200" dirty="0" smtClean="0"/>
+              <a:t>.</a:t>
+            </a:r>
+          </a:p>
+          <a:p>
+            <a:pPr lvl="1"/>
+            <a:r>
+              <a:rPr lang="es-ES" sz="3000" dirty="0" smtClean="0"/>
+              <a:t>Herramientas y tecnologías utilizadas</a:t>
+            </a:r>
+            <a:endParaRPr lang="es-ES" sz="3000" dirty="0" smtClean="0"/>
           </a:p>
           <a:p>
             <a:r>
@@ -3920,10 +3989,10 @@
           <a:lstStyle/>
           <a:p>
             <a:r>
-              <a:rPr lang="es-ES" sz="8000" dirty="0" smtClean="0"/>
+              <a:rPr lang="es-ES" sz="6600" dirty="0" smtClean="0"/>
               <a:t>índice</a:t>
             </a:r>
-            <a:endParaRPr lang="es-ES" sz="8000" dirty="0"/>
+            <a:endParaRPr lang="es-ES" sz="6600" dirty="0"/>
           </a:p>
         </p:txBody>
       </p:sp>
@@ -3937,6 +4006,9 @@
   <p:clrMapOvr>
     <a:masterClrMapping/>
   </p:clrMapOvr>
+  <p:transition spd="slow">
+    <p:push dir="u"/>
+  </p:transition>
   <p:timing>
     <p:tnLst>
       <p:par>
@@ -3964,6 +4036,328 @@
           <a:chExt cx="0" cy="0"/>
         </a:xfrm>
       </p:grpSpPr>
+      <p:sp>
+        <p:nvSpPr>
+          <p:cNvPr id="2" name="1 Marcador de contenido"/>
+          <p:cNvSpPr>
+            <a:spLocks noGrp="1"/>
+          </p:cNvSpPr>
+          <p:nvPr>
+            <p:ph idx="1"/>
+          </p:nvPr>
+        </p:nvSpPr>
+        <p:spPr/>
+        <p:txBody>
+          <a:bodyPr/>
+          <a:lstStyle/>
+          <a:p>
+            <a:pPr marL="45720" indent="0" algn="just">
+              <a:buNone/>
+            </a:pPr>
+            <a:endParaRPr lang="es-ES" dirty="0" smtClean="0"/>
+          </a:p>
+          <a:p>
+            <a:pPr marL="45720" indent="0" algn="just">
+              <a:buNone/>
+            </a:pPr>
+            <a:endParaRPr lang="es-ES" dirty="0"/>
+          </a:p>
+          <a:p>
+            <a:pPr marL="45720" indent="0" algn="just">
+              <a:buNone/>
+            </a:pPr>
+            <a:endParaRPr lang="es-ES" dirty="0" smtClean="0"/>
+          </a:p>
+          <a:p>
+            <a:pPr marL="45720" indent="0" algn="just">
+              <a:buNone/>
+            </a:pPr>
+            <a:endParaRPr lang="es-ES" dirty="0"/>
+          </a:p>
+          <a:p>
+            <a:pPr marL="45720" indent="0" algn="just">
+              <a:buNone/>
+            </a:pPr>
+            <a:endParaRPr lang="es-ES" dirty="0" smtClean="0"/>
+          </a:p>
+          <a:p>
+            <a:pPr marL="45720" indent="0" algn="just">
+              <a:buNone/>
+            </a:pPr>
+            <a:r>
+              <a:rPr lang="es-ES" b="1" dirty="0" smtClean="0"/>
+              <a:t>BCS Consultores de negocios </a:t>
+            </a:r>
+            <a:r>
+              <a:rPr lang="es-ES" dirty="0" smtClean="0"/>
+              <a:t>está enfocada en el sector publicitario y marketing.</a:t>
+            </a:r>
+            <a:endParaRPr lang="es-ES" dirty="0"/>
+          </a:p>
+        </p:txBody>
+      </p:sp>
+      <p:sp>
+        <p:nvSpPr>
+          <p:cNvPr id="3" name="2 Título"/>
+          <p:cNvSpPr>
+            <a:spLocks noGrp="1"/>
+          </p:cNvSpPr>
+          <p:nvPr>
+            <p:ph type="title"/>
+          </p:nvPr>
+        </p:nvSpPr>
+        <p:spPr/>
+        <p:txBody>
+          <a:bodyPr/>
+          <a:lstStyle/>
+          <a:p>
+            <a:r>
+              <a:rPr lang="es-ES" dirty="0" smtClean="0"/>
+              <a:t>LA empresa</a:t>
+            </a:r>
+            <a:endParaRPr lang="es-ES" dirty="0"/>
+          </a:p>
+        </p:txBody>
+      </p:sp>
+      <p:pic>
+        <p:nvPicPr>
+          <p:cNvPr id="1026" name="Picture 2"/>
+          <p:cNvPicPr>
+            <a:picLocks noChangeAspect="1" noChangeArrowheads="1"/>
+          </p:cNvPicPr>
+          <p:nvPr/>
+        </p:nvPicPr>
+        <p:blipFill>
+          <a:blip r:embed="rId2">
+            <a:extLst>
+              <a:ext uri="{28A0092B-C50C-407E-A947-70E740481C1C}">
+                <a14:useLocalDpi xmlns:a14="http://schemas.microsoft.com/office/drawing/2010/main" val="0"/>
+              </a:ext>
+            </a:extLst>
+          </a:blip>
+          <a:srcRect/>
+          <a:stretch>
+            <a:fillRect/>
+          </a:stretch>
+        </p:blipFill>
+        <p:spPr bwMode="auto">
+          <a:xfrm>
+            <a:off x="2966988" y="1717080"/>
+            <a:ext cx="3146750" cy="1656184"/>
+          </a:xfrm>
+          <a:prstGeom prst="rect">
+            <a:avLst/>
+          </a:prstGeom>
+          <a:noFill/>
+          <a:ln>
+            <a:noFill/>
+          </a:ln>
+          <a:effectLst/>
+          <a:extLst>
+            <a:ext uri="{909E8E84-426E-40DD-AFC4-6F175D3DCCD1}">
+              <a14:hiddenFill xmlns:a14="http://schemas.microsoft.com/office/drawing/2010/main">
+                <a:solidFill>
+                  <a:schemeClr val="accent1"/>
+                </a:solidFill>
+              </a14:hiddenFill>
+            </a:ext>
+            <a:ext uri="{91240B29-F687-4F45-9708-019B960494DF}">
+              <a14:hiddenLine xmlns:a14="http://schemas.microsoft.com/office/drawing/2010/main" w="9525">
+                <a:solidFill>
+                  <a:schemeClr val="tx1"/>
+                </a:solidFill>
+                <a:miter lim="800000"/>
+                <a:headEnd/>
+                <a:tailEnd/>
+              </a14:hiddenLine>
+            </a:ext>
+            <a:ext uri="{AF507438-7753-43E0-B8FC-AC1667EBCBE1}">
+              <a14:hiddenEffects xmlns:a14="http://schemas.microsoft.com/office/drawing/2010/main">
+                <a:effectLst>
+                  <a:outerShdw dist="35921" dir="2700000" algn="ctr" rotWithShape="0">
+                    <a:schemeClr val="bg2"/>
+                  </a:outerShdw>
+                </a:effectLst>
+              </a14:hiddenEffects>
+            </a:ext>
+          </a:extLst>
+        </p:spPr>
+      </p:pic>
+    </p:spTree>
+    <p:extLst>
+      <p:ext uri="{BB962C8B-B14F-4D97-AF65-F5344CB8AC3E}">
+        <p14:creationId xmlns:p14="http://schemas.microsoft.com/office/powerpoint/2010/main" val="4010828806"/>
+      </p:ext>
+    </p:extLst>
+  </p:cSld>
+  <p:clrMapOvr>
+    <a:masterClrMapping/>
+  </p:clrMapOvr>
+  <p:transition spd="slow">
+    <p:push dir="u"/>
+  </p:transition>
+  <p:timing>
+    <p:tnLst>
+      <p:par>
+        <p:cTn id="1" dur="indefinite" restart="never" nodeType="tmRoot"/>
+      </p:par>
+    </p:tnLst>
+  </p:timing>
+</p:sld>
+</file>
+
+<file path=ppt/slides/slide4.xml><?xml version="1.0" encoding="utf-8"?>
+<p:sld xmlns:a="http://schemas.openxmlformats.org/drawingml/2006/main" xmlns:r="http://schemas.openxmlformats.org/officeDocument/2006/relationships" xmlns:p="http://schemas.openxmlformats.org/presentationml/2006/main">
+  <p:cSld>
+    <p:spTree>
+      <p:nvGrpSpPr>
+        <p:cNvPr id="1" name=""/>
+        <p:cNvGrpSpPr/>
+        <p:nvPr/>
+      </p:nvGrpSpPr>
+      <p:grpSpPr>
+        <a:xfrm>
+          <a:off x="0" y="0"/>
+          <a:ext cx="0" cy="0"/>
+          <a:chOff x="0" y="0"/>
+          <a:chExt cx="0" cy="0"/>
+        </a:xfrm>
+      </p:grpSpPr>
+      <p:sp>
+        <p:nvSpPr>
+          <p:cNvPr id="2" name="1 Marcador de contenido"/>
+          <p:cNvSpPr>
+            <a:spLocks noGrp="1"/>
+          </p:cNvSpPr>
+          <p:nvPr>
+            <p:ph idx="1"/>
+          </p:nvPr>
+        </p:nvSpPr>
+        <p:spPr/>
+        <p:txBody>
+          <a:bodyPr>
+            <a:normAutofit/>
+          </a:bodyPr>
+          <a:lstStyle/>
+          <a:p>
+            <a:pPr marL="45720" indent="0" algn="ctr">
+              <a:buNone/>
+            </a:pPr>
+            <a:r>
+              <a:rPr lang="es-ES" sz="2800" b="1" dirty="0" smtClean="0"/>
+              <a:t>Experiencia personal</a:t>
+            </a:r>
+          </a:p>
+          <a:p>
+            <a:pPr marL="45720" indent="0" algn="ctr">
+              <a:buNone/>
+            </a:pPr>
+            <a:endParaRPr lang="es-ES" sz="2800" b="1" dirty="0" smtClean="0"/>
+          </a:p>
+          <a:p>
+            <a:pPr marL="45720" indent="0">
+              <a:buNone/>
+            </a:pPr>
+            <a:r>
+              <a:rPr lang="es-ES" sz="1800" dirty="0" smtClean="0"/>
+              <a:t>Durante el trascurso de los días he podido destacar varios puntos, que desde mi punto de vista son muy importantes.</a:t>
+            </a:r>
+          </a:p>
+          <a:p>
+            <a:r>
+              <a:rPr lang="es-ES" sz="1800" b="1" dirty="0" smtClean="0"/>
+              <a:t>Buen ambiente de trabajo.</a:t>
+            </a:r>
+          </a:p>
+          <a:p>
+            <a:r>
+              <a:rPr lang="es-ES" sz="1800" b="1" dirty="0" smtClean="0"/>
+              <a:t>Calidad en los trabajos entregados.</a:t>
+            </a:r>
+          </a:p>
+          <a:p>
+            <a:r>
+              <a:rPr lang="es-ES" sz="1800" b="1" dirty="0" smtClean="0"/>
+              <a:t>Poder ver cómo funciona una empresa de este tipo.</a:t>
+            </a:r>
+          </a:p>
+          <a:p>
+            <a:r>
+              <a:rPr lang="es-ES" sz="1800" b="1" dirty="0" smtClean="0"/>
+              <a:t>Sentirte parte del equipo.</a:t>
+            </a:r>
+          </a:p>
+          <a:p>
+            <a:pPr marL="45720" indent="0">
+              <a:buNone/>
+            </a:pPr>
+            <a:endParaRPr lang="es-ES" sz="1800" b="1" dirty="0"/>
+          </a:p>
+        </p:txBody>
+      </p:sp>
+      <p:sp>
+        <p:nvSpPr>
+          <p:cNvPr id="3" name="2 Título"/>
+          <p:cNvSpPr>
+            <a:spLocks noGrp="1"/>
+          </p:cNvSpPr>
+          <p:nvPr>
+            <p:ph type="title"/>
+          </p:nvPr>
+        </p:nvSpPr>
+        <p:spPr/>
+        <p:txBody>
+          <a:bodyPr/>
+          <a:lstStyle/>
+          <a:p>
+            <a:r>
+              <a:rPr lang="es-ES" dirty="0" smtClean="0"/>
+              <a:t>La empresa</a:t>
+            </a:r>
+            <a:endParaRPr lang="es-ES" dirty="0"/>
+          </a:p>
+        </p:txBody>
+      </p:sp>
+    </p:spTree>
+    <p:extLst>
+      <p:ext uri="{BB962C8B-B14F-4D97-AF65-F5344CB8AC3E}">
+        <p14:creationId xmlns:p14="http://schemas.microsoft.com/office/powerpoint/2010/main" val="2891995695"/>
+      </p:ext>
+    </p:extLst>
+  </p:cSld>
+  <p:clrMapOvr>
+    <a:masterClrMapping/>
+  </p:clrMapOvr>
+  <p:transition spd="slow">
+    <p:push dir="u"/>
+  </p:transition>
+  <p:timing>
+    <p:tnLst>
+      <p:par>
+        <p:cTn id="1" dur="indefinite" restart="never" nodeType="tmRoot"/>
+      </p:par>
+    </p:tnLst>
+  </p:timing>
+</p:sld>
+</file>
+
+<file path=ppt/slides/slide5.xml><?xml version="1.0" encoding="utf-8"?>
+<p:sld xmlns:a="http://schemas.openxmlformats.org/drawingml/2006/main" xmlns:r="http://schemas.openxmlformats.org/officeDocument/2006/relationships" xmlns:p="http://schemas.openxmlformats.org/presentationml/2006/main">
+  <p:cSld>
+    <p:spTree>
+      <p:nvGrpSpPr>
+        <p:cNvPr id="1" name=""/>
+        <p:cNvGrpSpPr/>
+        <p:nvPr/>
+      </p:nvGrpSpPr>
+      <p:grpSpPr>
+        <a:xfrm>
+          <a:off x="0" y="0"/>
+          <a:ext cx="0" cy="0"/>
+          <a:chOff x="0" y="0"/>
+          <a:chExt cx="0" cy="0"/>
+        </a:xfrm>
+      </p:grpSpPr>
       <p:pic>
         <p:nvPicPr>
           <p:cNvPr id="4" name="3 Marcador de contenido"/>
@@ -3988,7 +4382,7 @@
         </p:blipFill>
         <p:spPr>
           <a:xfrm>
-            <a:off x="4283968" y="4322100"/>
+            <a:off x="4427984" y="4315668"/>
             <a:ext cx="3342032" cy="2212462"/>
           </a:xfrm>
         </p:spPr>
@@ -4010,7 +4404,11 @@
           <a:p>
             <a:r>
               <a:rPr lang="es-ES" dirty="0" smtClean="0"/>
-              <a:t>PRIMEROS DÍAS EN LA EMPRESA</a:t>
+              <a:t>LA </a:t>
+            </a:r>
+            <a:r>
+              <a:rPr lang="es-ES" dirty="0" smtClean="0"/>
+              <a:t>EMPRESA</a:t>
             </a:r>
             <a:endParaRPr lang="es-ES" dirty="0"/>
           </a:p>
@@ -4038,7 +4436,7 @@
         </p:blipFill>
         <p:spPr>
           <a:xfrm>
-            <a:off x="1259632" y="3438252"/>
+            <a:off x="962348" y="4312590"/>
             <a:ext cx="3492357" cy="2134219"/>
           </a:xfrm>
           <a:prstGeom prst="rect">
@@ -4232,12 +4630,35 @@
             </a:lvl9pPr>
           </a:lstStyle>
           <a:p>
+            <a:pPr marL="45720" indent="0" algn="ctr">
+              <a:buNone/>
+            </a:pPr>
+            <a:r>
+              <a:rPr lang="es-ES" sz="2800" b="1" dirty="0"/>
+              <a:t>Experiencia </a:t>
+            </a:r>
+            <a:r>
+              <a:rPr lang="es-ES" sz="2800" b="1" dirty="0" smtClean="0"/>
+              <a:t>personal</a:t>
+            </a:r>
+          </a:p>
+          <a:p>
+            <a:pPr marL="45720" indent="0" algn="ctr">
+              <a:buNone/>
+            </a:pPr>
+            <a:endParaRPr lang="es-ES" sz="1800" dirty="0" smtClean="0"/>
+          </a:p>
+          <a:p>
             <a:pPr marL="45720" indent="0" algn="just">
               <a:buNone/>
             </a:pPr>
             <a:r>
               <a:rPr lang="es-ES" sz="1800" dirty="0" smtClean="0"/>
-              <a:t>Los primeros días fueron buenos y atareados. </a:t>
+              <a:t>Los </a:t>
+            </a:r>
+            <a:r>
+              <a:rPr lang="es-ES" sz="1800" dirty="0" smtClean="0"/>
+              <a:t>primeros días fueron buenos y atareados. </a:t>
             </a:r>
           </a:p>
           <a:p>
@@ -4277,6 +4698,9 @@
   <p:clrMapOvr>
     <a:masterClrMapping/>
   </p:clrMapOvr>
+  <p:transition spd="slow">
+    <p:push dir="u"/>
+  </p:transition>
   <p:timing>
     <p:tnLst>
       <p:par>
@@ -4502,7 +4926,7 @@
 </p:sld>
 </file>
 
-<file path=ppt/slides/slide4.xml><?xml version="1.0" encoding="utf-8"?>
+<file path=ppt/slides/slide6.xml><?xml version="1.0" encoding="utf-8"?>
 <p:sld xmlns:a="http://schemas.openxmlformats.org/drawingml/2006/main" xmlns:r="http://schemas.openxmlformats.org/officeDocument/2006/relationships" xmlns:p="http://schemas.openxmlformats.org/presentationml/2006/main">
   <p:cSld>
     <p:spTree>
@@ -4874,6 +5298,9 @@
   <p:clrMapOvr>
     <a:masterClrMapping/>
   </p:clrMapOvr>
+  <p:transition spd="slow">
+    <p:push dir="u"/>
+  </p:transition>
   <p:timing>
     <p:tnLst>
       <p:par>
@@ -5099,7 +5526,7 @@
 </p:sld>
 </file>
 
-<file path=ppt/slides/slide5.xml><?xml version="1.0" encoding="utf-8"?>
+<file path=ppt/slides/slide7.xml><?xml version="1.0" encoding="utf-8"?>
 <p:sld xmlns:a="http://schemas.openxmlformats.org/drawingml/2006/main" xmlns:r="http://schemas.openxmlformats.org/officeDocument/2006/relationships" xmlns:p="http://schemas.openxmlformats.org/presentationml/2006/main">
   <p:cSld>
     <p:spTree>
@@ -5354,6 +5781,9 @@
   <p:clrMapOvr>
     <a:masterClrMapping/>
   </p:clrMapOvr>
+  <p:transition spd="slow">
+    <p:push dir="u"/>
+  </p:transition>
   <p:timing>
     <p:tnLst>
       <p:par>
@@ -5759,7 +6189,210 @@
 </p:sld>
 </file>
 
-<file path=ppt/slides/slide6.xml><?xml version="1.0" encoding="utf-8"?>
+<file path=ppt/slides/slide8.xml><?xml version="1.0" encoding="utf-8"?>
+<p:sld xmlns:a="http://schemas.openxmlformats.org/drawingml/2006/main" xmlns:r="http://schemas.openxmlformats.org/officeDocument/2006/relationships" xmlns:p="http://schemas.openxmlformats.org/presentationml/2006/main">
+  <p:cSld>
+    <p:spTree>
+      <p:nvGrpSpPr>
+        <p:cNvPr id="1" name=""/>
+        <p:cNvGrpSpPr/>
+        <p:nvPr/>
+      </p:nvGrpSpPr>
+      <p:grpSpPr>
+        <a:xfrm>
+          <a:off x="0" y="0"/>
+          <a:ext cx="0" cy="0"/>
+          <a:chOff x="0" y="0"/>
+          <a:chExt cx="0" cy="0"/>
+        </a:xfrm>
+      </p:grpSpPr>
+      <p:sp>
+        <p:nvSpPr>
+          <p:cNvPr id="2" name="1 Marcador de contenido"/>
+          <p:cNvSpPr>
+            <a:spLocks noGrp="1"/>
+          </p:cNvSpPr>
+          <p:nvPr>
+            <p:ph idx="1"/>
+          </p:nvPr>
+        </p:nvSpPr>
+        <p:spPr/>
+        <p:txBody>
+          <a:bodyPr>
+            <a:normAutofit lnSpcReduction="10000"/>
+          </a:bodyPr>
+          <a:lstStyle/>
+          <a:p>
+            <a:pPr marL="45720" indent="0" algn="ctr">
+              <a:buNone/>
+            </a:pPr>
+            <a:r>
+              <a:rPr lang="es-ES" sz="2800" b="1" dirty="0" smtClean="0"/>
+              <a:t>Herramientas y tecnologías utilizadas </a:t>
+            </a:r>
+          </a:p>
+          <a:p>
+            <a:pPr marL="45720" indent="0">
+              <a:buNone/>
+            </a:pPr>
+            <a:r>
+              <a:rPr lang="es-ES" sz="1800" dirty="0" smtClean="0"/>
+              <a:t>Como </a:t>
+            </a:r>
+            <a:r>
+              <a:rPr lang="es-ES" sz="1800" b="1" dirty="0" smtClean="0"/>
+              <a:t>herramientas</a:t>
+            </a:r>
+            <a:r>
+              <a:rPr lang="es-ES" sz="1800" dirty="0" smtClean="0"/>
+              <a:t> principales he utilizado:</a:t>
+            </a:r>
+          </a:p>
+          <a:p>
+            <a:r>
+              <a:rPr lang="es-ES" sz="1800" dirty="0" err="1" smtClean="0"/>
+              <a:t>NetBeans</a:t>
+            </a:r>
+            <a:r>
+              <a:rPr lang="es-ES" sz="1800" dirty="0" smtClean="0"/>
+              <a:t> para el desarrollo en PHP.</a:t>
+            </a:r>
+          </a:p>
+          <a:p>
+            <a:r>
+              <a:rPr lang="es-ES" sz="1800" dirty="0" err="1" smtClean="0"/>
+              <a:t>Filezilla</a:t>
+            </a:r>
+            <a:r>
+              <a:rPr lang="es-ES" sz="1800" dirty="0" smtClean="0"/>
+              <a:t> como método de intercambio.</a:t>
+            </a:r>
+          </a:p>
+          <a:p>
+            <a:r>
+              <a:rPr lang="es-ES" sz="1800" dirty="0" smtClean="0"/>
+              <a:t>Plataforma de </a:t>
+            </a:r>
+            <a:r>
+              <a:rPr lang="es-ES" sz="1800" dirty="0" err="1" smtClean="0"/>
+              <a:t>Wordpress</a:t>
+            </a:r>
+            <a:r>
+              <a:rPr lang="es-ES" sz="1800" dirty="0" smtClean="0"/>
+              <a:t>, junto con una gran cantidad de </a:t>
+            </a:r>
+            <a:r>
+              <a:rPr lang="es-ES" sz="1800" dirty="0" err="1" smtClean="0"/>
+              <a:t>plugins</a:t>
+            </a:r>
+            <a:r>
+              <a:rPr lang="es-ES" sz="1800" dirty="0" smtClean="0"/>
+              <a:t>.</a:t>
+            </a:r>
+          </a:p>
+          <a:p>
+            <a:pPr marL="45720" indent="0">
+              <a:buNone/>
+            </a:pPr>
+            <a:endParaRPr lang="es-ES" sz="1800" dirty="0" smtClean="0"/>
+          </a:p>
+          <a:p>
+            <a:pPr marL="45720" indent="0">
+              <a:buNone/>
+            </a:pPr>
+            <a:r>
+              <a:rPr lang="es-ES" sz="1800" dirty="0" smtClean="0"/>
+              <a:t>Las tecnologías que he podido utilizar y aprender han sido las siguientes: </a:t>
+            </a:r>
+          </a:p>
+          <a:p>
+            <a:r>
+              <a:rPr lang="es-ES" sz="1800" dirty="0" smtClean="0"/>
+              <a:t>PHP como lenguaje de programación principal.</a:t>
+            </a:r>
+          </a:p>
+          <a:p>
+            <a:r>
+              <a:rPr lang="es-ES" sz="1800" dirty="0" smtClean="0"/>
+              <a:t>HTML y CSS</a:t>
+            </a:r>
+          </a:p>
+          <a:p>
+            <a:pPr lvl="1"/>
+            <a:r>
+              <a:rPr lang="es-ES" sz="1600" dirty="0" err="1" smtClean="0"/>
+              <a:t>Boostrap</a:t>
+            </a:r>
+            <a:endParaRPr lang="es-ES" sz="1600" dirty="0" smtClean="0"/>
+          </a:p>
+          <a:p>
+            <a:r>
+              <a:rPr lang="es-ES" sz="1800" dirty="0" smtClean="0"/>
+              <a:t>JavaScript</a:t>
+            </a:r>
+          </a:p>
+          <a:p>
+            <a:r>
+              <a:rPr lang="es-ES" sz="1800" dirty="0" smtClean="0"/>
+              <a:t>AJAX</a:t>
+            </a:r>
+          </a:p>
+          <a:p>
+            <a:r>
+              <a:rPr lang="es-ES" sz="1800" dirty="0" smtClean="0"/>
+              <a:t>SQL</a:t>
+            </a:r>
+            <a:endParaRPr lang="es-ES" sz="1800" dirty="0"/>
+          </a:p>
+        </p:txBody>
+      </p:sp>
+      <p:sp>
+        <p:nvSpPr>
+          <p:cNvPr id="3" name="2 Título"/>
+          <p:cNvSpPr>
+            <a:spLocks noGrp="1"/>
+          </p:cNvSpPr>
+          <p:nvPr>
+            <p:ph type="title"/>
+          </p:nvPr>
+        </p:nvSpPr>
+        <p:spPr/>
+        <p:txBody>
+          <a:bodyPr/>
+          <a:lstStyle/>
+          <a:p>
+            <a:r>
+              <a:rPr lang="es-ES" dirty="0" smtClean="0"/>
+              <a:t>proyectos</a:t>
+            </a:r>
+            <a:endParaRPr lang="es-ES" dirty="0"/>
+          </a:p>
+        </p:txBody>
+      </p:sp>
+    </p:spTree>
+    <p:extLst>
+      <p:ext uri="{BB962C8B-B14F-4D97-AF65-F5344CB8AC3E}">
+        <p14:creationId xmlns:p14="http://schemas.microsoft.com/office/powerpoint/2010/main" val="3952638880"/>
+      </p:ext>
+    </p:extLst>
+  </p:cSld>
+  <p:clrMapOvr>
+    <a:masterClrMapping/>
+  </p:clrMapOvr>
+  <p:transition spd="slow">
+    <p:push dir="u"/>
+  </p:transition>
+  <p:timing>
+    <p:tnLst>
+      <p:par>
+        <p:cTn id="1" dur="indefinite" restart="never" nodeType="tmRoot"/>
+      </p:par>
+    </p:tnLst>
+  </p:timing>
+</p:sld>
+</file>
+
+<file path=ppt/slides/slide9.xml><?xml version="1.0" encoding="utf-8"?>
 <p:sld xmlns:a="http://schemas.openxmlformats.org/drawingml/2006/main" xmlns:r="http://schemas.openxmlformats.org/officeDocument/2006/relationships" xmlns:p="http://schemas.openxmlformats.org/presentationml/2006/main">
   <p:cSld>
     <p:spTree>
@@ -5847,8 +6480,8 @@
         </p:blipFill>
         <p:spPr>
           <a:xfrm rot="5400000">
-            <a:off x="2475288" y="2616499"/>
-            <a:ext cx="3982596" cy="3835093"/>
+            <a:off x="4873367" y="2674377"/>
+            <a:ext cx="3168352" cy="3051006"/>
           </a:xfrm>
           <a:prstGeom prst="round2DiagRect">
             <a:avLst>
@@ -5871,6 +6504,62 @@
           </a:effectLst>
         </p:spPr>
       </p:pic>
+      <p:pic>
+        <p:nvPicPr>
+          <p:cNvPr id="2050" name="Picture 2" descr="D:\CarpetasusuariosW10\Documents\Actividades\DAW\PresentaciónDUAL\Presentaci-nDual2018\imagenes\bcs.PNG"/>
+          <p:cNvPicPr>
+            <a:picLocks noChangeAspect="1" noChangeArrowheads="1"/>
+          </p:cNvPicPr>
+          <p:nvPr/>
+        </p:nvPicPr>
+        <p:blipFill>
+          <a:blip r:embed="rId3">
+            <a:extLst>
+              <a:ext uri="{28A0092B-C50C-407E-A947-70E740481C1C}">
+                <a14:useLocalDpi xmlns:a14="http://schemas.microsoft.com/office/drawing/2010/main" val="0"/>
+              </a:ext>
+            </a:extLst>
+          </a:blip>
+          <a:srcRect/>
+          <a:stretch>
+            <a:fillRect/>
+          </a:stretch>
+        </p:blipFill>
+        <p:spPr bwMode="auto">
+          <a:xfrm>
+            <a:off x="827584" y="3212976"/>
+            <a:ext cx="3768804" cy="1983581"/>
+          </a:xfrm>
+          <a:prstGeom prst="round2DiagRect">
+            <a:avLst>
+              <a:gd name="adj1" fmla="val 16667"/>
+              <a:gd name="adj2" fmla="val 0"/>
+            </a:avLst>
+          </a:prstGeom>
+          <a:ln w="88900" cap="sq">
+            <a:solidFill>
+              <a:srgbClr val="FFFFFF"/>
+            </a:solidFill>
+            <a:miter lim="800000"/>
+          </a:ln>
+          <a:effectLst>
+            <a:outerShdw blurRad="254000" algn="tl" rotWithShape="0">
+              <a:srgbClr val="000000">
+                <a:alpha val="43000"/>
+              </a:srgbClr>
+            </a:outerShdw>
+          </a:effectLst>
+          <a:extLst>
+            <a:ext uri="{909E8E84-426E-40DD-AFC4-6F175D3DCCD1}">
+              <a14:hiddenFill xmlns:a14="http://schemas.microsoft.com/office/drawing/2010/main">
+                <a:solidFill>
+                  <a:srgbClr val="FFFFFF"/>
+                </a:solidFill>
+              </a14:hiddenFill>
+            </a:ext>
+          </a:extLst>
+        </p:spPr>
+      </p:pic>
     </p:spTree>
     <p:extLst>
       <p:ext uri="{BB962C8B-B14F-4D97-AF65-F5344CB8AC3E}">
@@ -5881,10 +6570,228 @@
   <p:clrMapOvr>
     <a:masterClrMapping/>
   </p:clrMapOvr>
+  <p:transition spd="slow">
+    <p:push dir="u"/>
+  </p:transition>
   <p:timing>
     <p:tnLst>
       <p:par>
-        <p:cTn id="1" dur="indefinite" restart="never" nodeType="tmRoot"/>
+        <p:cTn id="1" dur="indefinite" restart="never" nodeType="tmRoot">
+          <p:childTnLst>
+            <p:seq concurrent="1" nextAc="seek">
+              <p:cTn id="2" dur="indefinite" nodeType="mainSeq">
+                <p:childTnLst>
+                  <p:par>
+                    <p:cTn id="3" fill="hold">
+                      <p:stCondLst>
+                        <p:cond delay="indefinite"/>
+                        <p:cond evt="onBegin" delay="0">
+                          <p:tn val="2"/>
+                        </p:cond>
+                      </p:stCondLst>
+                      <p:childTnLst>
+                        <p:par>
+                          <p:cTn id="4" fill="hold">
+                            <p:stCondLst>
+                              <p:cond delay="0"/>
+                            </p:stCondLst>
+                            <p:childTnLst>
+                              <p:par>
+                                <p:cTn id="5" presetID="53" presetClass="entr" presetSubtype="16" fill="hold" nodeType="afterEffect">
+                                  <p:stCondLst>
+                                    <p:cond delay="0"/>
+                                  </p:stCondLst>
+                                  <p:childTnLst>
+                                    <p:set>
+                                      <p:cBhvr>
+                                        <p:cTn id="6" dur="1" fill="hold">
+                                          <p:stCondLst>
+                                            <p:cond delay="0"/>
+                                          </p:stCondLst>
+                                        </p:cTn>
+                                        <p:tgtEl>
+                                          <p:spTgt spid="4"/>
+                                        </p:tgtEl>
+                                        <p:attrNameLst>
+                                          <p:attrName>style.visibility</p:attrName>
+                                        </p:attrNameLst>
+                                      </p:cBhvr>
+                                      <p:to>
+                                        <p:strVal val="visible"/>
+                                      </p:to>
+                                    </p:set>
+                                    <p:anim calcmode="lin" valueType="num">
+                                      <p:cBhvr>
+                                        <p:cTn id="7" dur="500" fill="hold"/>
+                                        <p:tgtEl>
+                                          <p:spTgt spid="4"/>
+                                        </p:tgtEl>
+                                        <p:attrNameLst>
+                                          <p:attrName>ppt_w</p:attrName>
+                                        </p:attrNameLst>
+                                      </p:cBhvr>
+                                      <p:tavLst>
+                                        <p:tav tm="0">
+                                          <p:val>
+                                            <p:fltVal val="0"/>
+                                          </p:val>
+                                        </p:tav>
+                                        <p:tav tm="100000">
+                                          <p:val>
+                                            <p:strVal val="#ppt_w"/>
+                                          </p:val>
+                                        </p:tav>
+                                      </p:tavLst>
+                                    </p:anim>
+                                    <p:anim calcmode="lin" valueType="num">
+                                      <p:cBhvr>
+                                        <p:cTn id="8" dur="500" fill="hold"/>
+                                        <p:tgtEl>
+                                          <p:spTgt spid="4"/>
+                                        </p:tgtEl>
+                                        <p:attrNameLst>
+                                          <p:attrName>ppt_h</p:attrName>
+                                        </p:attrNameLst>
+                                      </p:cBhvr>
+                                      <p:tavLst>
+                                        <p:tav tm="0">
+                                          <p:val>
+                                            <p:fltVal val="0"/>
+                                          </p:val>
+                                        </p:tav>
+                                        <p:tav tm="100000">
+                                          <p:val>
+                                            <p:strVal val="#ppt_h"/>
+                                          </p:val>
+                                        </p:tav>
+                                      </p:tavLst>
+                                    </p:anim>
+                                    <p:animEffect transition="in" filter="fade">
+                                      <p:cBhvr>
+                                        <p:cTn id="9" dur="500"/>
+                                        <p:tgtEl>
+                                          <p:spTgt spid="4"/>
+                                        </p:tgtEl>
+                                      </p:cBhvr>
+                                    </p:animEffect>
+                                  </p:childTnLst>
+                                </p:cTn>
+                              </p:par>
+                            </p:childTnLst>
+                          </p:cTn>
+                        </p:par>
+                        <p:par>
+                          <p:cTn id="10" fill="hold">
+                            <p:stCondLst>
+                              <p:cond delay="500"/>
+                            </p:stCondLst>
+                            <p:childTnLst>
+                              <p:par>
+                                <p:cTn id="11" presetID="53" presetClass="entr" presetSubtype="16" fill="hold" nodeType="afterEffect">
+                                  <p:stCondLst>
+                                    <p:cond delay="0"/>
+                                  </p:stCondLst>
+                                  <p:childTnLst>
+                                    <p:set>
+                                      <p:cBhvr>
+                                        <p:cTn id="12" dur="1" fill="hold">
+                                          <p:stCondLst>
+                                            <p:cond delay="0"/>
+                                          </p:stCondLst>
+                                        </p:cTn>
+                                        <p:tgtEl>
+                                          <p:spTgt spid="2050"/>
+                                        </p:tgtEl>
+                                        <p:attrNameLst>
+                                          <p:attrName>style.visibility</p:attrName>
+                                        </p:attrNameLst>
+                                      </p:cBhvr>
+                                      <p:to>
+                                        <p:strVal val="visible"/>
+                                      </p:to>
+                                    </p:set>
+                                    <p:anim calcmode="lin" valueType="num">
+                                      <p:cBhvr>
+                                        <p:cTn id="13" dur="500" fill="hold"/>
+                                        <p:tgtEl>
+                                          <p:spTgt spid="2050"/>
+                                        </p:tgtEl>
+                                        <p:attrNameLst>
+                                          <p:attrName>ppt_w</p:attrName>
+                                        </p:attrNameLst>
+                                      </p:cBhvr>
+                                      <p:tavLst>
+                                        <p:tav tm="0">
+                                          <p:val>
+                                            <p:fltVal val="0"/>
+                                          </p:val>
+                                        </p:tav>
+                                        <p:tav tm="100000">
+                                          <p:val>
+                                            <p:strVal val="#ppt_w"/>
+                                          </p:val>
+                                        </p:tav>
+                                      </p:tavLst>
+                                    </p:anim>
+                                    <p:anim calcmode="lin" valueType="num">
+                                      <p:cBhvr>
+                                        <p:cTn id="14" dur="500" fill="hold"/>
+                                        <p:tgtEl>
+                                          <p:spTgt spid="2050"/>
+                                        </p:tgtEl>
+                                        <p:attrNameLst>
+                                          <p:attrName>ppt_h</p:attrName>
+                                        </p:attrNameLst>
+                                      </p:cBhvr>
+                                      <p:tavLst>
+                                        <p:tav tm="0">
+                                          <p:val>
+                                            <p:fltVal val="0"/>
+                                          </p:val>
+                                        </p:tav>
+                                        <p:tav tm="100000">
+                                          <p:val>
+                                            <p:strVal val="#ppt_h"/>
+                                          </p:val>
+                                        </p:tav>
+                                      </p:tavLst>
+                                    </p:anim>
+                                    <p:animEffect transition="in" filter="fade">
+                                      <p:cBhvr>
+                                        <p:cTn id="15" dur="500"/>
+                                        <p:tgtEl>
+                                          <p:spTgt spid="2050"/>
+                                        </p:tgtEl>
+                                      </p:cBhvr>
+                                    </p:animEffect>
+                                  </p:childTnLst>
+                                </p:cTn>
+                              </p:par>
+                            </p:childTnLst>
+                          </p:cTn>
+                        </p:par>
+                      </p:childTnLst>
+                    </p:cTn>
+                  </p:par>
+                </p:childTnLst>
+              </p:cTn>
+              <p:prevCondLst>
+                <p:cond evt="onPrev" delay="0">
+                  <p:tgtEl>
+                    <p:sldTgt/>
+                  </p:tgtEl>
+                </p:cond>
+              </p:prevCondLst>
+              <p:nextCondLst>
+                <p:cond evt="onNext" delay="0">
+                  <p:tgtEl>
+                    <p:sldTgt/>
+                  </p:tgtEl>
+                </p:cond>
+              </p:nextCondLst>
+            </p:seq>
+          </p:childTnLst>
+        </p:cTn>
       </p:par>
     </p:tnLst>
   </p:timing>
